--- a/PPT/M5 Frameworks and Rest API LINUX.pptx
+++ b/PPT/M5 Frameworks and Rest API LINUX.pptx
@@ -4616,6 +4616,40 @@
           </a:ln>
         </p:spPr>
       </p:pic>
+      <p:sp>
+        <p:nvSpPr>
+          <p:cNvPr id="2" name="Rectangle 1">
+            <a:extLst>
+              <a:ext uri="{FF2B5EF4-FFF2-40B4-BE49-F238E27FC236}">
+                <a16:creationId xmlns:a16="http://schemas.microsoft.com/office/drawing/2014/main" id="{A877CEC9-E4B4-4C0E-B121-96C017B25B68}"/>
+              </a:ext>
+            </a:extLst>
+          </p:cNvPr>
+          <p:cNvSpPr/>
+          <p:nvPr/>
+        </p:nvSpPr>
+        <p:spPr>
+          <a:xfrm>
+            <a:off x="3167043" y="3481189"/>
+            <a:ext cx="3746538" cy="523220"/>
+          </a:xfrm>
+          <a:prstGeom prst="rect">
+            <a:avLst/>
+          </a:prstGeom>
+        </p:spPr>
+        <p:txBody>
+          <a:bodyPr wrap="none">
+            <a:spAutoFit/>
+          </a:bodyPr>
+          <a:lstStyle/>
+          <a:p>
+            <a:r>
+              <a:rPr lang="en-US" sz="2800" b="1" dirty="0"/>
+              <a:t>192.168.234.88/share</a:t>
+            </a:r>
+          </a:p>
+        </p:txBody>
+      </p:sp>
     </p:spTree>
   </p:cSld>
   <p:clrMapOvr>
@@ -4700,6 +4734,36 @@
           </a:ln>
         </p:spPr>
       </p:pic>
+      <p:pic>
+        <p:nvPicPr>
+          <p:cNvPr id="2" name="Picture 1">
+            <a:extLst>
+              <a:ext uri="{FF2B5EF4-FFF2-40B4-BE49-F238E27FC236}">
+                <a16:creationId xmlns:a16="http://schemas.microsoft.com/office/drawing/2014/main" id="{61940CCA-97E0-4D3A-85C9-676F8AFE2DF7}"/>
+              </a:ext>
+            </a:extLst>
+          </p:cNvPr>
+          <p:cNvPicPr>
+            <a:picLocks noChangeAspect="1"/>
+          </p:cNvPicPr>
+          <p:nvPr/>
+        </p:nvPicPr>
+        <p:blipFill>
+          <a:blip r:embed="rId3"/>
+          <a:stretch>
+            <a:fillRect/>
+          </a:stretch>
+        </p:blipFill>
+        <p:spPr>
+          <a:xfrm>
+            <a:off x="586740" y="1343660"/>
+            <a:ext cx="8685493" cy="3327400"/>
+          </a:xfrm>
+          <a:prstGeom prst="rect">
+            <a:avLst/>
+          </a:prstGeom>
+        </p:spPr>
+      </p:pic>
     </p:spTree>
     <p:extLst>
       <p:ext uri="{BB962C8B-B14F-4D97-AF65-F5344CB8AC3E}">
@@ -4716,7 +4780,63 @@
         <p:cTn id="1" dur="indefinite" restart="never" nodeType="tmRoot">
           <p:childTnLst>
             <p:seq>
-              <p:cTn id="2" dur="indefinite" nodeType="mainSeq"/>
+              <p:cTn id="2" dur="indefinite" nodeType="mainSeq">
+                <p:childTnLst>
+                  <p:par>
+                    <p:cTn id="3" fill="hold">
+                      <p:stCondLst>
+                        <p:cond delay="indefinite"/>
+                      </p:stCondLst>
+                      <p:childTnLst>
+                        <p:par>
+                          <p:cTn id="4" fill="hold">
+                            <p:stCondLst>
+                              <p:cond delay="0"/>
+                            </p:stCondLst>
+                            <p:childTnLst>
+                              <p:par>
+                                <p:cTn id="5" presetID="10" presetClass="entr" presetSubtype="0" fill="hold" nodeType="clickEffect">
+                                  <p:stCondLst>
+                                    <p:cond delay="0"/>
+                                  </p:stCondLst>
+                                  <p:childTnLst>
+                                    <p:set>
+                                      <p:cBhvr>
+                                        <p:cTn id="6" dur="1" fill="hold">
+                                          <p:stCondLst>
+                                            <p:cond delay="0"/>
+                                          </p:stCondLst>
+                                        </p:cTn>
+                                        <p:tgtEl>
+                                          <p:spTgt spid="2"/>
+                                        </p:tgtEl>
+                                        <p:attrNameLst>
+                                          <p:attrName>style.visibility</p:attrName>
+                                        </p:attrNameLst>
+                                      </p:cBhvr>
+                                      <p:to>
+                                        <p:strVal val="visible"/>
+                                      </p:to>
+                                    </p:set>
+                                    <p:animEffect transition="in" filter="fade">
+                                      <p:cBhvr>
+                                        <p:cTn id="7" dur="500"/>
+                                        <p:tgtEl>
+                                          <p:spTgt spid="2"/>
+                                        </p:tgtEl>
+                                      </p:cBhvr>
+                                    </p:animEffect>
+                                  </p:childTnLst>
+                                </p:cTn>
+                              </p:par>
+                            </p:childTnLst>
+                          </p:cTn>
+                        </p:par>
+                      </p:childTnLst>
+                    </p:cTn>
+                  </p:par>
+                </p:childTnLst>
+              </p:cTn>
               <p:prevCondLst>
                 <p:cond evt="onPrev" delay="0">
                   <p:tgtEl>
